--- a/slides/2016-iit/cartesian-gaze-interfaces.pptx
+++ b/slides/2016-iit/cartesian-gaze-interfaces.pptx
@@ -236,7 +236,7 @@
             <a:fld id="{E433751C-2A1E-49FF-98B8-4E34323593E0}" type="datetimeFigureOut">
               <a:rPr lang="en-US" smtClean="0"/>
               <a:pPr/>
-              <a:t>7/27/2016</a:t>
+              <a:t>10/1/2016</a:t>
             </a:fld>
             <a:endParaRPr lang="en-US"/>
           </a:p>
@@ -5746,11 +5746,7 @@
             <a:pPr algn="ctr"/>
             <a:r>
               <a:rPr lang="en-US" sz="2800" b="1" dirty="0" smtClean="0"/>
-              <a:t>Cartesian Interface (</a:t>
-            </a:r>
-            <a:r>
-              <a:rPr lang="en-US" sz="2800" b="1" dirty="0" smtClean="0"/>
-              <a:t>1/5)</a:t>
+              <a:t>Cartesian Interface (1/5)</a:t>
             </a:r>
             <a:endParaRPr lang="en-US" sz="2800" b="1" dirty="0"/>
           </a:p>
@@ -6567,11 +6563,7 @@
             </a:r>
             <a:r>
               <a:rPr lang="en-US" sz="2800" b="1" dirty="0" smtClean="0"/>
-              <a:t>(</a:t>
-            </a:r>
-            <a:r>
-              <a:rPr lang="en-US" sz="2800" b="1" dirty="0" smtClean="0"/>
-              <a:t>2/5)</a:t>
+              <a:t>(2/5)</a:t>
             </a:r>
             <a:endParaRPr lang="en-US" sz="2800" b="1" dirty="0"/>
           </a:p>
@@ -7578,11 +7570,7 @@
             </a:r>
             <a:r>
               <a:rPr lang="en-US" sz="2800" b="1" dirty="0" smtClean="0"/>
-              <a:t>(</a:t>
-            </a:r>
-            <a:r>
-              <a:rPr lang="en-US" sz="2800" b="1" dirty="0" smtClean="0"/>
-              <a:t>3/5)</a:t>
+              <a:t>(3/5)</a:t>
             </a:r>
             <a:endParaRPr lang="en-US" sz="2800" b="1" dirty="0"/>
           </a:p>
@@ -7979,11 +7967,7 @@
             </a:r>
             <a:r>
               <a:rPr lang="en-US" sz="2800" b="1" dirty="0" smtClean="0"/>
-              <a:t>(</a:t>
-            </a:r>
-            <a:r>
-              <a:rPr lang="en-US" sz="2800" b="1" dirty="0" smtClean="0"/>
-              <a:t>4/5)</a:t>
+              <a:t>(4/5)</a:t>
             </a:r>
             <a:endParaRPr lang="en-US" sz="2800" b="1" dirty="0"/>
           </a:p>
@@ -8436,11 +8420,7 @@
             </a:r>
             <a:r>
               <a:rPr lang="en-US" sz="2000" b="1" dirty="0" smtClean="0"/>
-              <a:t>Events </a:t>
-            </a:r>
-            <a:r>
-              <a:rPr lang="en-US" sz="2000" b="1" dirty="0" smtClean="0"/>
-              <a:t>Callbacks</a:t>
+              <a:t>Events Callbacks</a:t>
             </a:r>
             <a:r>
               <a:rPr lang="en-US" sz="2000" dirty="0" smtClean="0"/>
@@ -8543,6 +8523,20 @@
                   <a:cs typeface="Consolas" panose="020B0609020204030204" pitchFamily="49" charset="0"/>
                 </a:rPr>
                 <a:t>2&gt; </a:t>
+              </a:r>
+              <a:r>
+                <a:rPr lang="en-GB" sz="1600" dirty="0" err="1" smtClean="0">
+                  <a:latin typeface="Consolas" panose="020B0609020204030204" pitchFamily="49" charset="0"/>
+                  <a:cs typeface="Consolas" panose="020B0609020204030204" pitchFamily="49" charset="0"/>
+                </a:rPr>
+                <a:t>yarprobotinterface</a:t>
+              </a:r>
+              <a:r>
+                <a:rPr lang="en-GB" sz="1600" dirty="0" smtClean="0">
+                  <a:latin typeface="Consolas" panose="020B0609020204030204" pitchFamily="49" charset="0"/>
+                  <a:cs typeface="Consolas" panose="020B0609020204030204" pitchFamily="49" charset="0"/>
+                </a:rPr>
+                <a:t> --context </a:t>
               </a:r>
               <a:r>
                 <a:rPr lang="en-GB" sz="1600" dirty="0" err="1" smtClean="0">
@@ -13735,7 +13729,7 @@
           <a:graphicData uri="http://schemas.openxmlformats.org/presentationml/2006/ole">
             <mc:AlternateContent xmlns:mc="http://schemas.openxmlformats.org/markup-compatibility/2006">
               <mc:Choice xmlns:v="urn:schemas-microsoft-com:vml" Requires="v">
-                <p:oleObj spid="_x0000_s1080" name="Equation" r:id="rId4" imgW="3187440" imgH="1104840" progId="Equation.DSMT4">
+                <p:oleObj spid="_x0000_s1081" name="Equation" r:id="rId4" imgW="3187440" imgH="1104840" progId="Equation.DSMT4">
                   <p:embed/>
                 </p:oleObj>
               </mc:Choice>
